--- a/Project/Summer Internship Project.pptx
+++ b/Project/Summer Internship Project.pptx
@@ -10,7 +10,13 @@
     <p:sldId id="258" r:id="rId5"/>
     <p:sldId id="259" r:id="rId6"/>
     <p:sldId id="260" r:id="rId7"/>
-    <p:sldId id="263" r:id="rId8"/>
+    <p:sldId id="266" r:id="rId8"/>
+    <p:sldId id="263" r:id="rId9"/>
+    <p:sldId id="264" r:id="rId10"/>
+    <p:sldId id="265" r:id="rId11"/>
+    <p:sldId id="267" r:id="rId12"/>
+    <p:sldId id="268" r:id="rId13"/>
+    <p:sldId id="269" r:id="rId14"/>
   </p:sldIdLst>
   <p:sldSz cx="12192000" cy="6858000"/>
   <p:notesSz cx="6858000" cy="9144000"/>
@@ -3264,10 +3270,34 @@
           <a:lstStyle/>
           <a:p>
             <a:r>
-              <a:rPr lang="en-US" dirty="0"/>
+              <a:rPr lang="en-US" dirty="0">
+                <a:ln/>
+                <a:solidFill>
+                  <a:schemeClr val="tx1"/>
+                </a:solidFill>
+                <a:effectLst>
+                  <a:outerShdw blurRad="38100" dist="19050" dir="2700000" algn="tl" rotWithShape="0">
+                    <a:schemeClr val="dk1">
+                      <a:alpha val="40000"/>
+                    </a:schemeClr>
+                  </a:outerShdw>
+                </a:effectLst>
+              </a:rPr>
               <a:t>Summer Internship Project</a:t>
             </a:r>
-            <a:endParaRPr lang="en-US" dirty="0"/>
+            <a:endParaRPr lang="en-US" dirty="0">
+              <a:ln/>
+              <a:solidFill>
+                <a:schemeClr val="tx1"/>
+              </a:solidFill>
+              <a:effectLst>
+                <a:outerShdw blurRad="38100" dist="19050" dir="2700000" algn="tl" rotWithShape="0">
+                  <a:schemeClr val="dk1">
+                    <a:alpha val="40000"/>
+                  </a:schemeClr>
+                </a:outerShdw>
+              </a:effectLst>
+            </a:endParaRPr>
           </a:p>
         </p:txBody>
       </p:sp>
@@ -3283,7 +3313,7 @@
         </p:nvSpPr>
         <p:spPr>
           <a:xfrm>
-            <a:off x="908685" y="2078990"/>
+            <a:off x="1343025" y="2091055"/>
             <a:ext cx="8534400" cy="4072255"/>
           </a:xfrm>
         </p:spPr>
@@ -3306,7 +3336,483 @@
           <a:p>
             <a:r>
               <a:rPr lang="en-US"/>
-              <a:t>A small social media platform</a:t>
+              <a:t>A minimalistic social media platform</a:t>
+            </a:r>
+            <a:endParaRPr lang="en-US"/>
+          </a:p>
+          <a:p>
+            <a:endParaRPr lang="en-US"/>
+          </a:p>
+          <a:p>
+            <a:pPr algn="l"/>
+            <a:r>
+              <a:rPr lang="en-US" sz="2800">
+                <a:ln/>
+                <a:solidFill>
+                  <a:schemeClr val="tx1"/>
+                </a:solidFill>
+                <a:effectLst>
+                  <a:outerShdw blurRad="38100" dist="19050" dir="2700000" algn="tl" rotWithShape="0">
+                    <a:schemeClr val="dk1">
+                      <a:alpha val="40000"/>
+                    </a:schemeClr>
+                  </a:outerShdw>
+                </a:effectLst>
+              </a:rPr>
+              <a:t>Kuchuk Borom : Lead programmer</a:t>
+            </a:r>
+            <a:endParaRPr lang="en-US" sz="2800">
+              <a:ln/>
+              <a:solidFill>
+                <a:schemeClr val="tx1"/>
+              </a:solidFill>
+              <a:effectLst>
+                <a:outerShdw blurRad="38100" dist="19050" dir="2700000" algn="tl" rotWithShape="0">
+                  <a:schemeClr val="dk1">
+                    <a:alpha val="40000"/>
+                  </a:schemeClr>
+                </a:outerShdw>
+              </a:effectLst>
+            </a:endParaRPr>
+          </a:p>
+          <a:p>
+            <a:pPr algn="l"/>
+            <a:r>
+              <a:rPr lang="en-US" sz="2800">
+                <a:ln/>
+                <a:solidFill>
+                  <a:schemeClr val="tx1"/>
+                </a:solidFill>
+                <a:effectLst>
+                  <a:outerShdw blurRad="38100" dist="19050" dir="2700000" algn="tl" rotWithShape="0">
+                    <a:schemeClr val="dk1">
+                      <a:alpha val="40000"/>
+                    </a:schemeClr>
+                  </a:outerShdw>
+                </a:effectLst>
+              </a:rPr>
+              <a:t>Gunarnab : Relational Database Architecture designer</a:t>
+            </a:r>
+            <a:endParaRPr lang="en-US" sz="2800">
+              <a:ln/>
+              <a:solidFill>
+                <a:schemeClr val="tx1"/>
+              </a:solidFill>
+              <a:effectLst>
+                <a:outerShdw blurRad="38100" dist="19050" dir="2700000" algn="tl" rotWithShape="0">
+                  <a:schemeClr val="dk1">
+                    <a:alpha val="40000"/>
+                  </a:schemeClr>
+                </a:outerShdw>
+              </a:effectLst>
+            </a:endParaRPr>
+          </a:p>
+          <a:p>
+            <a:pPr algn="l"/>
+            <a:r>
+              <a:rPr lang="en-US" sz="2800">
+                <a:ln/>
+                <a:solidFill>
+                  <a:schemeClr val="tx1"/>
+                </a:solidFill>
+                <a:effectLst>
+                  <a:outerShdw blurRad="38100" dist="19050" dir="2700000" algn="tl" rotWithShape="0">
+                    <a:schemeClr val="dk1">
+                      <a:alpha val="40000"/>
+                    </a:schemeClr>
+                  </a:outerShdw>
+                </a:effectLst>
+              </a:rPr>
+              <a:t>Shrestha : Application flow designer</a:t>
+            </a:r>
+            <a:endParaRPr lang="en-US" sz="2800">
+              <a:ln/>
+              <a:solidFill>
+                <a:schemeClr val="tx1"/>
+              </a:solidFill>
+              <a:effectLst>
+                <a:outerShdw blurRad="38100" dist="19050" dir="2700000" algn="tl" rotWithShape="0">
+                  <a:schemeClr val="dk1">
+                    <a:alpha val="40000"/>
+                  </a:schemeClr>
+                </a:outerShdw>
+              </a:effectLst>
+            </a:endParaRPr>
+          </a:p>
+          <a:p>
+            <a:pPr algn="l"/>
+            <a:endParaRPr lang="en-US" sz="2800">
+              <a:ln/>
+              <a:solidFill>
+                <a:schemeClr val="tx1"/>
+              </a:solidFill>
+              <a:effectLst>
+                <a:outerShdw blurRad="38100" dist="19050" dir="2700000" algn="tl" rotWithShape="0">
+                  <a:schemeClr val="dk1">
+                    <a:alpha val="40000"/>
+                  </a:schemeClr>
+                </a:outerShdw>
+              </a:effectLst>
+            </a:endParaRPr>
+          </a:p>
+        </p:txBody>
+      </p:sp>
+    </p:spTree>
+  </p:cSld>
+  <p:clrMapOvr>
+    <a:masterClrMapping/>
+  </p:clrMapOvr>
+</p:sld>
+</file>
+
+<file path=ppt/slides/slide10.xml><?xml version="1.0" encoding="utf-8"?>
+<p:sld xmlns:a="http://schemas.openxmlformats.org/drawingml/2006/main" xmlns:r="http://schemas.openxmlformats.org/officeDocument/2006/relationships" xmlns:p="http://schemas.openxmlformats.org/presentationml/2006/main">
+  <p:cSld>
+    <p:spTree>
+      <p:nvGrpSpPr>
+        <p:cNvPr id="1" name=""/>
+        <p:cNvGrpSpPr/>
+        <p:nvPr/>
+      </p:nvGrpSpPr>
+      <p:grpSpPr/>
+      <p:sp>
+        <p:nvSpPr>
+          <p:cNvPr id="2" name="Title 1"/>
+          <p:cNvSpPr>
+            <a:spLocks noGrp="1"/>
+          </p:cNvSpPr>
+          <p:nvPr>
+            <p:ph type="title"/>
+          </p:nvPr>
+        </p:nvSpPr>
+        <p:spPr/>
+        <p:txBody>
+          <a:bodyPr/>
+          <a:p>
+            <a:r>
+              <a:rPr lang="en-US"/>
+              <a:t>Relational Database design</a:t>
+            </a:r>
+            <a:endParaRPr lang="en-US"/>
+          </a:p>
+        </p:txBody>
+      </p:sp>
+      <p:pic>
+        <p:nvPicPr>
+          <p:cNvPr id="5" name="Content Placeholder 4" descr="Screenshot (133)"/>
+          <p:cNvPicPr>
+            <a:picLocks noChangeAspect="1"/>
+          </p:cNvPicPr>
+          <p:nvPr>
+            <p:ph sz="half" idx="1"/>
+          </p:nvPr>
+        </p:nvPicPr>
+        <p:blipFill>
+          <a:blip r:embed="rId1"/>
+          <a:stretch>
+            <a:fillRect/>
+          </a:stretch>
+        </p:blipFill>
+        <p:spPr>
+          <a:xfrm>
+            <a:off x="609600" y="1174115"/>
+            <a:ext cx="11418570" cy="5478145"/>
+          </a:xfrm>
+          <a:prstGeom prst="rect">
+            <a:avLst/>
+          </a:prstGeom>
+        </p:spPr>
+      </p:pic>
+    </p:spTree>
+  </p:cSld>
+  <p:clrMapOvr>
+    <a:masterClrMapping/>
+  </p:clrMapOvr>
+</p:sld>
+</file>
+
+<file path=ppt/slides/slide11.xml><?xml version="1.0" encoding="utf-8"?>
+<p:sld xmlns:a="http://schemas.openxmlformats.org/drawingml/2006/main" xmlns:r="http://schemas.openxmlformats.org/officeDocument/2006/relationships" xmlns:p="http://schemas.openxmlformats.org/presentationml/2006/main">
+  <p:cSld>
+    <p:spTree>
+      <p:nvGrpSpPr>
+        <p:cNvPr id="1" name=""/>
+        <p:cNvGrpSpPr/>
+        <p:nvPr/>
+      </p:nvGrpSpPr>
+      <p:grpSpPr/>
+      <p:pic>
+        <p:nvPicPr>
+          <p:cNvPr id="5" name="Content Placeholder 4" descr="Screenshot (140)"/>
+          <p:cNvPicPr>
+            <a:picLocks noChangeAspect="1"/>
+          </p:cNvPicPr>
+          <p:nvPr>
+            <p:ph sz="half" idx="1"/>
+          </p:nvPr>
+        </p:nvPicPr>
+        <p:blipFill>
+          <a:blip r:embed="rId1"/>
+          <a:stretch>
+            <a:fillRect/>
+          </a:stretch>
+        </p:blipFill>
+        <p:spPr>
+          <a:xfrm>
+            <a:off x="-635" y="184150"/>
+            <a:ext cx="12135485" cy="6493510"/>
+          </a:xfrm>
+          <a:prstGeom prst="rect">
+            <a:avLst/>
+          </a:prstGeom>
+        </p:spPr>
+      </p:pic>
+    </p:spTree>
+  </p:cSld>
+  <p:clrMapOvr>
+    <a:masterClrMapping/>
+  </p:clrMapOvr>
+</p:sld>
+</file>
+
+<file path=ppt/slides/slide12.xml><?xml version="1.0" encoding="utf-8"?>
+<p:sld xmlns:a="http://schemas.openxmlformats.org/drawingml/2006/main" xmlns:r="http://schemas.openxmlformats.org/officeDocument/2006/relationships" xmlns:p="http://schemas.openxmlformats.org/presentationml/2006/main">
+  <p:cSld>
+    <p:spTree>
+      <p:nvGrpSpPr>
+        <p:cNvPr id="1" name=""/>
+        <p:cNvGrpSpPr/>
+        <p:nvPr/>
+      </p:nvGrpSpPr>
+      <p:grpSpPr/>
+      <p:sp>
+        <p:nvSpPr>
+          <p:cNvPr id="2" name="Title 1"/>
+          <p:cNvSpPr>
+            <a:spLocks noGrp="1"/>
+          </p:cNvSpPr>
+          <p:nvPr>
+            <p:ph type="title"/>
+          </p:nvPr>
+        </p:nvSpPr>
+        <p:spPr>
+          <a:xfrm>
+            <a:off x="0" y="0"/>
+            <a:ext cx="10972800" cy="1299210"/>
+          </a:xfrm>
+        </p:spPr>
+        <p:txBody>
+          <a:bodyPr/>
+          <a:p>
+            <a:pPr algn="l">
+              <a:lnSpc>
+                <a:spcPct val="100000"/>
+              </a:lnSpc>
+            </a:pPr>
+            <a:r>
+              <a:rPr lang="en-US"/>
+              <a:t>Application workflow</a:t>
+            </a:r>
+            <a:endParaRPr lang="en-US"/>
+          </a:p>
+        </p:txBody>
+      </p:sp>
+      <p:pic>
+        <p:nvPicPr>
+          <p:cNvPr id="5" name="Content Placeholder 4" descr="Flowchart_00"/>
+          <p:cNvPicPr>
+            <a:picLocks noChangeAspect="1"/>
+          </p:cNvPicPr>
+          <p:nvPr>
+            <p:ph idx="1"/>
+          </p:nvPr>
+        </p:nvPicPr>
+        <p:blipFill>
+          <a:blip r:embed="rId1"/>
+          <a:stretch>
+            <a:fillRect/>
+          </a:stretch>
+        </p:blipFill>
+        <p:spPr>
+          <a:xfrm>
+            <a:off x="5200650" y="190500"/>
+            <a:ext cx="6991350" cy="6668135"/>
+          </a:xfrm>
+          <a:prstGeom prst="rect">
+            <a:avLst/>
+          </a:prstGeom>
+        </p:spPr>
+      </p:pic>
+      <p:sp>
+        <p:nvSpPr>
+          <p:cNvPr id="6" name="Title 1"/>
+          <p:cNvSpPr>
+            <a:spLocks noGrp="1"/>
+          </p:cNvSpPr>
+          <p:nvPr/>
+        </p:nvSpPr>
+        <p:spPr>
+          <a:xfrm>
+            <a:off x="0" y="1299210"/>
+            <a:ext cx="5200015" cy="5558790"/>
+          </a:xfrm>
+          <a:prstGeom prst="rect">
+            <a:avLst/>
+          </a:prstGeom>
+          <a:noFill/>
+          <a:ln w="9525">
+            <a:noFill/>
+          </a:ln>
+        </p:spPr>
+        <p:txBody>
+          <a:bodyPr anchor="ctr" anchorCtr="0"/>
+          <a:lstStyle>
+            <a:lvl1pPr algn="l" rtl="0" fontAlgn="base">
+              <a:spcBef>
+                <a:spcPct val="0"/>
+              </a:spcBef>
+              <a:spcAft>
+                <a:spcPct val="0"/>
+              </a:spcAft>
+              <a:defRPr sz="3600" kern="1200">
+                <a:solidFill>
+                  <a:schemeClr val="tx1"/>
+                </a:solidFill>
+                <a:latin typeface="+mj-lt"/>
+                <a:ea typeface="+mj-ea"/>
+                <a:cs typeface="+mj-cs"/>
+              </a:defRPr>
+            </a:lvl1pPr>
+            <a:lvl2pPr algn="l" rtl="0" fontAlgn="base">
+              <a:spcBef>
+                <a:spcPct val="0"/>
+              </a:spcBef>
+              <a:spcAft>
+                <a:spcPct val="0"/>
+              </a:spcAft>
+              <a:defRPr sz="3600">
+                <a:solidFill>
+                  <a:schemeClr val="tx1"/>
+                </a:solidFill>
+                <a:latin typeface="Arial" panose="020B0604020202020204" pitchFamily="34" charset="0"/>
+                <a:ea typeface="SimSun" panose="02010600030101010101" pitchFamily="2" charset="-122"/>
+              </a:defRPr>
+            </a:lvl2pPr>
+            <a:lvl3pPr algn="l" rtl="0" fontAlgn="base">
+              <a:spcBef>
+                <a:spcPct val="0"/>
+              </a:spcBef>
+              <a:spcAft>
+                <a:spcPct val="0"/>
+              </a:spcAft>
+              <a:defRPr sz="3600">
+                <a:solidFill>
+                  <a:schemeClr val="tx1"/>
+                </a:solidFill>
+                <a:latin typeface="Arial" panose="020B0604020202020204" pitchFamily="34" charset="0"/>
+                <a:ea typeface="SimSun" panose="02010600030101010101" pitchFamily="2" charset="-122"/>
+              </a:defRPr>
+            </a:lvl3pPr>
+            <a:lvl4pPr algn="l" rtl="0" fontAlgn="base">
+              <a:spcBef>
+                <a:spcPct val="0"/>
+              </a:spcBef>
+              <a:spcAft>
+                <a:spcPct val="0"/>
+              </a:spcAft>
+              <a:defRPr sz="3600">
+                <a:solidFill>
+                  <a:schemeClr val="tx1"/>
+                </a:solidFill>
+                <a:latin typeface="Arial" panose="020B0604020202020204" pitchFamily="34" charset="0"/>
+                <a:ea typeface="SimSun" panose="02010600030101010101" pitchFamily="2" charset="-122"/>
+              </a:defRPr>
+            </a:lvl4pPr>
+            <a:lvl5pPr algn="l" rtl="0" fontAlgn="base">
+              <a:spcBef>
+                <a:spcPct val="0"/>
+              </a:spcBef>
+              <a:spcAft>
+                <a:spcPct val="0"/>
+              </a:spcAft>
+              <a:defRPr sz="3600">
+                <a:solidFill>
+                  <a:schemeClr val="tx1"/>
+                </a:solidFill>
+                <a:latin typeface="Arial" panose="020B0604020202020204" pitchFamily="34" charset="0"/>
+                <a:ea typeface="SimSun" panose="02010600030101010101" pitchFamily="2" charset="-122"/>
+              </a:defRPr>
+            </a:lvl5pPr>
+            <a:lvl6pPr marL="457200" algn="l" rtl="0" fontAlgn="base">
+              <a:spcBef>
+                <a:spcPct val="0"/>
+              </a:spcBef>
+              <a:spcAft>
+                <a:spcPct val="0"/>
+              </a:spcAft>
+              <a:defRPr sz="3600">
+                <a:solidFill>
+                  <a:schemeClr val="tx1"/>
+                </a:solidFill>
+                <a:latin typeface="Arial" panose="020B0604020202020204" pitchFamily="34" charset="0"/>
+                <a:ea typeface="SimSun" panose="02010600030101010101" pitchFamily="2" charset="-122"/>
+              </a:defRPr>
+            </a:lvl6pPr>
+            <a:lvl7pPr marL="914400" algn="l" rtl="0" fontAlgn="base">
+              <a:spcBef>
+                <a:spcPct val="0"/>
+              </a:spcBef>
+              <a:spcAft>
+                <a:spcPct val="0"/>
+              </a:spcAft>
+              <a:defRPr sz="3600">
+                <a:solidFill>
+                  <a:schemeClr val="tx1"/>
+                </a:solidFill>
+                <a:latin typeface="Arial" panose="020B0604020202020204" pitchFamily="34" charset="0"/>
+                <a:ea typeface="SimSun" panose="02010600030101010101" pitchFamily="2" charset="-122"/>
+              </a:defRPr>
+            </a:lvl7pPr>
+            <a:lvl8pPr marL="1371600" algn="l" rtl="0" fontAlgn="base">
+              <a:spcBef>
+                <a:spcPct val="0"/>
+              </a:spcBef>
+              <a:spcAft>
+                <a:spcPct val="0"/>
+              </a:spcAft>
+              <a:defRPr sz="3600">
+                <a:solidFill>
+                  <a:schemeClr val="tx1"/>
+                </a:solidFill>
+                <a:latin typeface="Arial" panose="020B0604020202020204" pitchFamily="34" charset="0"/>
+                <a:ea typeface="SimSun" panose="02010600030101010101" pitchFamily="2" charset="-122"/>
+              </a:defRPr>
+            </a:lvl8pPr>
+            <a:lvl9pPr marL="1828800" algn="l" rtl="0" fontAlgn="base">
+              <a:spcBef>
+                <a:spcPct val="0"/>
+              </a:spcBef>
+              <a:spcAft>
+                <a:spcPct val="0"/>
+              </a:spcAft>
+              <a:defRPr sz="3600">
+                <a:solidFill>
+                  <a:schemeClr val="tx1"/>
+                </a:solidFill>
+                <a:latin typeface="Arial" panose="020B0604020202020204" pitchFamily="34" charset="0"/>
+                <a:ea typeface="SimSun" panose="02010600030101010101" pitchFamily="2" charset="-122"/>
+              </a:defRPr>
+            </a:lvl9pPr>
+          </a:lstStyle>
+          <a:p>
+            <a:pPr algn="l">
+              <a:lnSpc>
+                <a:spcPct val="100000"/>
+              </a:lnSpc>
+            </a:pPr>
+            <a:r>
+              <a:rPr lang="en-US"/>
+              <a:t>View PDF for higher quality</a:t>
             </a:r>
             <a:endParaRPr lang="en-US"/>
           </a:p>
@@ -3351,81 +3857,107 @@
           <a:p>
             <a:pPr algn="l"/>
             <a:r>
-              <a:rPr lang="en-US" sz="2800" b="1" u="sng"/>
+              <a:rPr lang="en-US" sz="2500" b="1" u="sng"/>
               <a:t>Contents</a:t>
             </a:r>
             <a:br>
-              <a:rPr lang="en-US" sz="2800" b="1" u="sng"/>
+              <a:rPr lang="en-US" sz="2500" b="1" u="sng"/>
             </a:br>
             <a:br>
-              <a:rPr lang="en-US" sz="2800" b="1" u="sng"/>
+              <a:rPr lang="en-US" sz="2500" b="1" u="sng"/>
             </a:br>
             <a:r>
-              <a:rPr lang="en-US" sz="2800" b="1" u="sng"/>
+              <a:rPr lang="en-US" sz="2500" b="1" u="sng"/>
               <a:t>Abstract section</a:t>
             </a:r>
             <a:br>
-              <a:rPr lang="en-US" sz="2800" b="1" u="sng"/>
+              <a:rPr lang="en-US" sz="2500"/>
+            </a:br>
+            <a:r>
+              <a:rPr lang="en-US" sz="2500"/>
+              <a:t>1. Overview of the web application</a:t>
+            </a:r>
+            <a:br>
+              <a:rPr lang="en-US" sz="2500"/>
+            </a:br>
+            <a:r>
+              <a:rPr lang="en-US" sz="2500"/>
+              <a:t>2. Demonstration of the web application</a:t>
+            </a:r>
+            <a:br>
+              <a:rPr lang="en-US" sz="2500"/>
             </a:br>
             <a:br>
-              <a:rPr lang="en-US" sz="2800"/>
+              <a:rPr lang="en-US" sz="2500"/>
             </a:br>
             <a:r>
-              <a:rPr lang="en-US" sz="2800"/>
-              <a:t>1. Overview of the application</a:t>
+              <a:rPr lang="en-US" sz="2500" b="1" u="sng"/>
+              <a:t>Technical section</a:t>
             </a:r>
             <a:br>
-              <a:rPr lang="en-US" sz="2800"/>
+              <a:rPr lang="en-US" sz="2500" b="1" u="sng"/>
             </a:br>
             <a:r>
-              <a:rPr lang="en-US" sz="2800"/>
-              <a:t>2. Demonstration of the application</a:t>
+              <a:rPr lang="en-US" sz="2500" u="sng"/>
+              <a:t>Frontend</a:t>
+            </a:r>
+            <a:r>
+              <a:rPr lang="en-US" sz="2500" b="1" u="sng"/>
+              <a:t> :</a:t>
             </a:r>
             <a:br>
-              <a:rPr lang="en-US" sz="2800"/>
+              <a:rPr lang="en-US" sz="2500" u="sng"/>
             </a:br>
+            <a:r>
+              <a:rPr lang="en-US" sz="2500"/>
+              <a:t>3. Language, framework &amp; tools used</a:t>
+            </a:r>
             <a:br>
-              <a:rPr lang="en-US" sz="2800"/>
+              <a:rPr lang="en-US" sz="2500"/>
             </a:br>
             <a:r>
-              <a:rPr lang="en-US" sz="2800" b="1" u="sng"/>
-              <a:t>Technical section</a:t>
+              <a:rPr lang="en-US" sz="2500"/>
+              <a:t>4. frontend Code snippet of Login</a:t>
             </a:r>
             <a:br>
-              <a:rPr lang="en-US" sz="2800" b="1" u="sng"/>
+              <a:rPr lang="en-US" sz="2500"/>
             </a:br>
+            <a:r>
+              <a:rPr lang="en-US" sz="2500" u="sng"/>
+              <a:t>Backend :</a:t>
+            </a:r>
             <a:br>
-              <a:rPr lang="en-US" sz="2800" u="sng"/>
+              <a:rPr lang="en-US" sz="2500"/>
             </a:br>
             <a:r>
-              <a:rPr lang="en-US" sz="2800"/>
-              <a:t>3. Language, framework &amp; tools used</a:t>
+              <a:rPr lang="en-US" sz="2500"/>
+              <a:t>5. Backend database Security rules</a:t>
             </a:r>
             <a:br>
-              <a:rPr lang="en-US" sz="2800"/>
+              <a:rPr lang="en-US" sz="2500"/>
             </a:br>
             <a:r>
-              <a:rPr lang="en-US" sz="2800"/>
-              <a:t>4. Generalized Code snippet of important function</a:t>
+              <a:rPr lang="en-US" sz="2500"/>
+              <a:t>6. Database design pattern with example</a:t>
             </a:r>
             <a:br>
-              <a:rPr lang="en-US" sz="2800"/>
+              <a:rPr lang="en-US" sz="2500"/>
             </a:br>
             <a:r>
-              <a:rPr lang="en-US" sz="2800"/>
-              <a:t>4. Database design pattern</a:t>
+              <a:rPr lang="en-US" sz="2500" u="sng"/>
+              <a:t>Misc :</a:t>
             </a:r>
             <a:br>
-              <a:rPr lang="en-US" sz="2800"/>
+              <a:rPr lang="en-US" sz="2500"/>
             </a:br>
             <a:r>
-              <a:rPr lang="en-US" sz="2800"/>
-              <a:t>5. Applicationflowchart</a:t>
+              <a:rPr lang="en-US" sz="2500"/>
+              <a:t>7.Overall Application flowchart</a:t>
             </a:r>
             <a:br>
-              <a:rPr lang="en-US" sz="2800"/>
+              <a:rPr lang="en-US" sz="2500"/>
             </a:br>
-            <a:endParaRPr lang="en-US" sz="2800"/>
+            <a:endParaRPr lang="en-US" sz="2500"/>
           </a:p>
         </p:txBody>
       </p:sp>
@@ -3651,14 +4183,14 @@
           <a:p>
             <a:r>
               <a:rPr lang="en-US"/>
-              <a:t>Sosial is a web application which is a small social media platform</a:t>
+              <a:t>Sosial is a web application which is a minimalistic social media platform</a:t>
             </a:r>
             <a:endParaRPr lang="en-US"/>
           </a:p>
           <a:p>
             <a:r>
               <a:rPr lang="en-US"/>
-              <a:t>Users can register an account and setup their profile infos</a:t>
+              <a:t>Users can register an account and setup their profile biography</a:t>
             </a:r>
             <a:endParaRPr lang="en-US"/>
           </a:p>
@@ -3818,7 +4350,7 @@
             </a:pPr>
             <a:r>
               <a:rPr lang="en-US"/>
-              <a:t>Frontend framework : Flutter</a:t>
+              <a:t>Frontend framework : Flutter (OOP based, multiplatform, state based framework)</a:t>
             </a:r>
             <a:endParaRPr lang="en-US"/>
           </a:p>
@@ -3920,7 +4452,99 @@
           <a:p>
             <a:r>
               <a:rPr lang="en-US"/>
-              <a:t>Code snippets of important functions</a:t>
+              <a:t>Flutter’s Designing Snippet</a:t>
+            </a:r>
+            <a:endParaRPr lang="en-US"/>
+          </a:p>
+        </p:txBody>
+      </p:sp>
+      <p:pic>
+        <p:nvPicPr>
+          <p:cNvPr id="4" name="Content Placeholder 3" descr="Flutter profile snipper"/>
+          <p:cNvPicPr>
+            <a:picLocks noChangeAspect="1"/>
+          </p:cNvPicPr>
+          <p:nvPr>
+            <p:ph sz="half" idx="1"/>
+          </p:nvPr>
+        </p:nvPicPr>
+        <p:blipFill>
+          <a:blip r:embed="rId1"/>
+          <a:stretch>
+            <a:fillRect/>
+          </a:stretch>
+        </p:blipFill>
+        <p:spPr>
+          <a:xfrm>
+            <a:off x="608965" y="890270"/>
+            <a:ext cx="5492750" cy="5968365"/>
+          </a:xfrm>
+          <a:prstGeom prst="rect">
+            <a:avLst/>
+          </a:prstGeom>
+        </p:spPr>
+      </p:pic>
+      <p:pic>
+        <p:nvPicPr>
+          <p:cNvPr id="5" name="Content Placeholder 4" descr="profile page"/>
+          <p:cNvPicPr>
+            <a:picLocks noChangeAspect="1"/>
+          </p:cNvPicPr>
+          <p:nvPr>
+            <p:ph sz="half" idx="2"/>
+          </p:nvPr>
+        </p:nvPicPr>
+        <p:blipFill>
+          <a:blip r:embed="rId2"/>
+          <a:stretch>
+            <a:fillRect/>
+          </a:stretch>
+        </p:blipFill>
+        <p:spPr>
+          <a:xfrm>
+            <a:off x="6459220" y="189865"/>
+            <a:ext cx="5733415" cy="6476365"/>
+          </a:xfrm>
+          <a:prstGeom prst="rect">
+            <a:avLst/>
+          </a:prstGeom>
+        </p:spPr>
+      </p:pic>
+    </p:spTree>
+  </p:cSld>
+  <p:clrMapOvr>
+    <a:masterClrMapping/>
+  </p:clrMapOvr>
+</p:sld>
+</file>
+
+<file path=ppt/slides/slide7.xml><?xml version="1.0" encoding="utf-8"?>
+<p:sld xmlns:a="http://schemas.openxmlformats.org/drawingml/2006/main" xmlns:r="http://schemas.openxmlformats.org/officeDocument/2006/relationships" xmlns:p="http://schemas.openxmlformats.org/presentationml/2006/main">
+  <p:cSld>
+    <p:spTree>
+      <p:nvGrpSpPr>
+        <p:cNvPr id="1" name=""/>
+        <p:cNvGrpSpPr/>
+        <p:nvPr/>
+      </p:nvGrpSpPr>
+      <p:grpSpPr/>
+      <p:sp>
+        <p:nvSpPr>
+          <p:cNvPr id="2" name="Title 1"/>
+          <p:cNvSpPr>
+            <a:spLocks noGrp="1"/>
+          </p:cNvSpPr>
+          <p:nvPr>
+            <p:ph type="title"/>
+          </p:nvPr>
+        </p:nvSpPr>
+        <p:spPr/>
+        <p:txBody>
+          <a:bodyPr/>
+          <a:p>
+            <a:r>
+              <a:rPr lang="en-US"/>
+              <a:t>Code snippets of important function</a:t>
             </a:r>
             <a:endParaRPr lang="en-US"/>
           </a:p>
@@ -3933,14 +4557,217 @@
             <a:spLocks noGrp="1"/>
           </p:cNvSpPr>
           <p:nvPr>
-            <p:ph idx="1"/>
+            <p:ph sz="half" idx="1"/>
           </p:nvPr>
         </p:nvSpPr>
         <p:spPr/>
         <p:txBody>
           <a:bodyPr/>
           <a:p>
-            <a:endParaRPr lang="en-US"/>
+            <a:pPr marL="0" indent="0">
+              <a:buNone/>
+            </a:pPr>
+            <a:r>
+              <a:rPr lang="en-US"/>
+              <a:t>User Login function</a:t>
+            </a:r>
+            <a:endParaRPr lang="en-US"/>
+          </a:p>
+          <a:p>
+            <a:pPr marL="0" indent="0">
+              <a:buNone/>
+            </a:pPr>
+            <a:r>
+              <a:rPr lang="en-US"/>
+              <a:t>Flowchart:</a:t>
+            </a:r>
+            <a:endParaRPr lang="en-US"/>
+          </a:p>
+          <a:p>
+            <a:pPr marL="0" indent="0">
+              <a:buNone/>
+            </a:pPr>
+            <a:endParaRPr lang="en-US"/>
+          </a:p>
+        </p:txBody>
+      </p:sp>
+      <p:pic>
+        <p:nvPicPr>
+          <p:cNvPr id="4" name="Content Placeholder 3" descr="loginPressed flowhcart"/>
+          <p:cNvPicPr>
+            <a:picLocks noChangeAspect="1"/>
+          </p:cNvPicPr>
+          <p:nvPr>
+            <p:ph sz="half" idx="2"/>
+          </p:nvPr>
+        </p:nvPicPr>
+        <p:blipFill>
+          <a:blip r:embed="rId1"/>
+          <a:stretch>
+            <a:fillRect/>
+          </a:stretch>
+        </p:blipFill>
+        <p:spPr>
+          <a:xfrm>
+            <a:off x="6069965" y="647700"/>
+            <a:ext cx="5426710" cy="6210300"/>
+          </a:xfrm>
+          <a:prstGeom prst="rect">
+            <a:avLst/>
+          </a:prstGeom>
+        </p:spPr>
+      </p:pic>
+    </p:spTree>
+  </p:cSld>
+  <p:clrMapOvr>
+    <a:masterClrMapping/>
+  </p:clrMapOvr>
+</p:sld>
+</file>
+
+<file path=ppt/slides/slide8.xml><?xml version="1.0" encoding="utf-8"?>
+<p:sld xmlns:a="http://schemas.openxmlformats.org/drawingml/2006/main" xmlns:r="http://schemas.openxmlformats.org/officeDocument/2006/relationships" xmlns:p="http://schemas.openxmlformats.org/presentationml/2006/main">
+  <p:cSld>
+    <p:spTree>
+      <p:nvGrpSpPr>
+        <p:cNvPr id="1" name=""/>
+        <p:cNvGrpSpPr/>
+        <p:nvPr/>
+      </p:nvGrpSpPr>
+      <p:grpSpPr/>
+      <p:pic>
+        <p:nvPicPr>
+          <p:cNvPr id="5" name="Content Placeholder 4" descr="loginPressed snippet"/>
+          <p:cNvPicPr>
+            <a:picLocks noChangeAspect="1"/>
+          </p:cNvPicPr>
+          <p:nvPr>
+            <p:ph sz="half" idx="1"/>
+          </p:nvPr>
+        </p:nvPicPr>
+        <p:blipFill>
+          <a:blip r:embed="rId1"/>
+          <a:stretch>
+            <a:fillRect/>
+          </a:stretch>
+        </p:blipFill>
+        <p:spPr>
+          <a:xfrm>
+            <a:off x="0" y="74295"/>
+            <a:ext cx="5994400" cy="6783705"/>
+          </a:xfrm>
+          <a:prstGeom prst="rect">
+            <a:avLst/>
+          </a:prstGeom>
+        </p:spPr>
+      </p:pic>
+      <p:pic>
+        <p:nvPicPr>
+          <p:cNvPr id="6" name="Content Placeholder 5" descr="create userData snippet"/>
+          <p:cNvPicPr>
+            <a:picLocks noChangeAspect="1"/>
+          </p:cNvPicPr>
+          <p:nvPr>
+            <p:ph sz="half" idx="2"/>
+          </p:nvPr>
+        </p:nvPicPr>
+        <p:blipFill>
+          <a:blip r:embed="rId2"/>
+          <a:stretch>
+            <a:fillRect/>
+          </a:stretch>
+        </p:blipFill>
+        <p:spPr>
+          <a:xfrm>
+            <a:off x="6097905" y="73660"/>
+            <a:ext cx="6094730" cy="6784340"/>
+          </a:xfrm>
+          <a:prstGeom prst="rect">
+            <a:avLst/>
+          </a:prstGeom>
+        </p:spPr>
+      </p:pic>
+    </p:spTree>
+  </p:cSld>
+  <p:clrMapOvr>
+    <a:masterClrMapping/>
+  </p:clrMapOvr>
+</p:sld>
+</file>
+
+<file path=ppt/slides/slide9.xml><?xml version="1.0" encoding="utf-8"?>
+<p:sld xmlns:a="http://schemas.openxmlformats.org/drawingml/2006/main" xmlns:r="http://schemas.openxmlformats.org/officeDocument/2006/relationships" xmlns:p="http://schemas.openxmlformats.org/presentationml/2006/main">
+  <p:cSld>
+    <p:spTree>
+      <p:nvGrpSpPr>
+        <p:cNvPr id="1" name=""/>
+        <p:cNvGrpSpPr/>
+        <p:nvPr/>
+      </p:nvGrpSpPr>
+      <p:grpSpPr/>
+      <p:pic>
+        <p:nvPicPr>
+          <p:cNvPr id="5" name="Content Placeholder 4" descr="databse security"/>
+          <p:cNvPicPr>
+            <a:picLocks noChangeAspect="1"/>
+          </p:cNvPicPr>
+          <p:nvPr>
+            <p:ph sz="half" idx="2"/>
+          </p:nvPr>
+        </p:nvPicPr>
+        <p:blipFill>
+          <a:blip r:embed="rId1"/>
+          <a:stretch>
+            <a:fillRect/>
+          </a:stretch>
+        </p:blipFill>
+        <p:spPr>
+          <a:xfrm>
+            <a:off x="0" y="795020"/>
+            <a:ext cx="12088495" cy="6063615"/>
+          </a:xfrm>
+          <a:prstGeom prst="rect">
+            <a:avLst/>
+          </a:prstGeom>
+        </p:spPr>
+      </p:pic>
+      <p:sp>
+        <p:nvSpPr>
+          <p:cNvPr id="7" name="Text Box 6"/>
+          <p:cNvSpPr txBox="1"/>
+          <p:nvPr/>
+        </p:nvSpPr>
+        <p:spPr>
+          <a:xfrm>
+            <a:off x="0" y="149860"/>
+            <a:ext cx="11855450" cy="645160"/>
+          </a:xfrm>
+          <a:prstGeom prst="rect">
+            <a:avLst/>
+          </a:prstGeom>
+          <a:noFill/>
+        </p:spPr>
+        <p:txBody>
+          <a:bodyPr wrap="square" rtlCol="0" anchor="t">
+            <a:spAutoFit/>
+          </a:bodyPr>
+          <a:p>
+            <a:pPr marL="0" indent="0">
+              <a:buNone/>
+            </a:pPr>
+            <a:r>
+              <a:rPr lang="en-US" b="1">
+                <a:sym typeface="+mn-ea"/>
+              </a:rPr>
+              <a:t>Backend security rules for database:</a:t>
+            </a:r>
+            <a:endParaRPr lang="en-US" b="1"/>
+          </a:p>
+          <a:p>
+            <a:pPr marL="0" indent="0">
+              <a:buNone/>
+            </a:pPr>
+            <a:endParaRPr lang="en-US" b="1"/>
           </a:p>
         </p:txBody>
       </p:sp>

--- a/Project/Summer Internship Project.pptx
+++ b/Project/Summer Internship Project.pptx
@@ -8,11 +8,11 @@
     <p:sldId id="256" r:id="rId3"/>
     <p:sldId id="257" r:id="rId4"/>
     <p:sldId id="258" r:id="rId5"/>
-    <p:sldId id="259" r:id="rId6"/>
-    <p:sldId id="260" r:id="rId7"/>
-    <p:sldId id="266" r:id="rId8"/>
-    <p:sldId id="263" r:id="rId9"/>
-    <p:sldId id="264" r:id="rId10"/>
+    <p:sldId id="273" r:id="rId6"/>
+    <p:sldId id="274" r:id="rId7"/>
+    <p:sldId id="259" r:id="rId8"/>
+    <p:sldId id="260" r:id="rId9"/>
+    <p:sldId id="266" r:id="rId10"/>
     <p:sldId id="265" r:id="rId11"/>
     <p:sldId id="267" r:id="rId12"/>
     <p:sldId id="268" r:id="rId13"/>
@@ -3271,7 +3271,6 @@
           <a:p>
             <a:r>
               <a:rPr lang="en-US" dirty="0">
-                <a:ln/>
                 <a:solidFill>
                   <a:schemeClr val="tx1"/>
                 </a:solidFill>
@@ -3285,8 +3284,36 @@
               </a:rPr>
               <a:t>Summer Internship Project</a:t>
             </a:r>
+            <a:br>
+              <a:rPr lang="en-US" dirty="0">
+                <a:solidFill>
+                  <a:schemeClr val="tx1"/>
+                </a:solidFill>
+                <a:effectLst>
+                  <a:outerShdw blurRad="38100" dist="19050" dir="2700000" algn="tl" rotWithShape="0">
+                    <a:schemeClr val="dk1">
+                      <a:alpha val="40000"/>
+                    </a:schemeClr>
+                  </a:outerShdw>
+                </a:effectLst>
+              </a:rPr>
+            </a:br>
+            <a:r>
+              <a:rPr lang="en-US" dirty="0">
+                <a:solidFill>
+                  <a:schemeClr val="tx1"/>
+                </a:solidFill>
+                <a:effectLst>
+                  <a:outerShdw blurRad="38100" dist="19050" dir="2700000" algn="tl" rotWithShape="0">
+                    <a:schemeClr val="dk1">
+                      <a:alpha val="40000"/>
+                    </a:schemeClr>
+                  </a:outerShdw>
+                </a:effectLst>
+              </a:rPr>
+              <a:t>2021</a:t>
+            </a:r>
             <a:endParaRPr lang="en-US" dirty="0">
-              <a:ln/>
               <a:solidFill>
                 <a:schemeClr val="tx1"/>
               </a:solidFill>
@@ -3321,33 +3348,69 @@
           <a:bodyPr/>
           <a:lstStyle/>
           <a:p>
-            <a:r>
-              <a:rPr lang="en-US" sz="4000" b="1">
+            <a:pPr algn="l"/>
+            <a:endParaRPr lang="en-US">
+              <a:solidFill>
+                <a:schemeClr val="tx1"/>
+              </a:solidFill>
+              <a:effectLst>
+                <a:outerShdw blurRad="38100" dist="19050" dir="2700000" algn="tl" rotWithShape="0">
+                  <a:schemeClr val="dk1">
+                    <a:alpha val="40000"/>
+                  </a:schemeClr>
+                </a:outerShdw>
+              </a:effectLst>
+            </a:endParaRPr>
+          </a:p>
+          <a:p>
+            <a:pPr algn="l"/>
+            <a:endParaRPr lang="en-US">
+              <a:solidFill>
+                <a:schemeClr val="tx1"/>
+              </a:solidFill>
+              <a:effectLst>
+                <a:outerShdw blurRad="38100" dist="19050" dir="2700000" algn="tl" rotWithShape="0">
+                  <a:schemeClr val="dk1">
+                    <a:alpha val="40000"/>
+                  </a:schemeClr>
+                </a:outerShdw>
+              </a:effectLst>
+            </a:endParaRPr>
+          </a:p>
+          <a:p>
+            <a:pPr algn="l"/>
+            <a:r>
+              <a:rPr lang="en-US">
                 <a:solidFill>
-                  <a:schemeClr val="accent6">
-                    <a:lumMod val="10000"/>
+                  <a:schemeClr val="tx1"/>
+                </a:solidFill>
+                <a:effectLst>
+                  <a:outerShdw blurRad="38100" dist="19050" dir="2700000" algn="tl" rotWithShape="0">
+                    <a:schemeClr val="dk1">
+                      <a:alpha val="40000"/>
+                    </a:schemeClr>
+                  </a:outerShdw>
+                </a:effectLst>
+              </a:rPr>
+              <a:t>Mentor : Sir Dushyanta Datta</a:t>
+            </a:r>
+            <a:endParaRPr lang="en-US">
+              <a:solidFill>
+                <a:schemeClr val="tx1"/>
+              </a:solidFill>
+              <a:effectLst>
+                <a:outerShdw blurRad="38100" dist="19050" dir="2700000" algn="tl" rotWithShape="0">
+                  <a:schemeClr val="dk1">
+                    <a:alpha val="40000"/>
                   </a:schemeClr>
-                </a:solidFill>
-              </a:rPr>
-              <a:t>Sosial </a:t>
-            </a:r>
-            <a:endParaRPr lang="en-US"/>
-          </a:p>
-          <a:p>
-            <a:r>
-              <a:rPr lang="en-US"/>
-              <a:t>A minimalistic social media platform</a:t>
-            </a:r>
-            <a:endParaRPr lang="en-US"/>
-          </a:p>
-          <a:p>
-            <a:endParaRPr lang="en-US"/>
+                </a:outerShdw>
+              </a:effectLst>
+            </a:endParaRPr>
           </a:p>
           <a:p>
             <a:pPr algn="l"/>
             <a:r>
               <a:rPr lang="en-US" sz="2800">
-                <a:ln/>
                 <a:solidFill>
                   <a:schemeClr val="tx1"/>
                 </a:solidFill>
@@ -3362,7 +3425,6 @@
               <a:t>Kuchuk Borom : Lead programmer</a:t>
             </a:r>
             <a:endParaRPr lang="en-US" sz="2800">
-              <a:ln/>
               <a:solidFill>
                 <a:schemeClr val="tx1"/>
               </a:solidFill>
@@ -3379,7 +3441,6 @@
             <a:pPr algn="l"/>
             <a:r>
               <a:rPr lang="en-US" sz="2800">
-                <a:ln/>
                 <a:solidFill>
                   <a:schemeClr val="tx1"/>
                 </a:solidFill>
@@ -3394,7 +3455,6 @@
               <a:t>Gunarnab : Relational Database Architecture designer</a:t>
             </a:r>
             <a:endParaRPr lang="en-US" sz="2800">
-              <a:ln/>
               <a:solidFill>
                 <a:schemeClr val="tx1"/>
               </a:solidFill>
@@ -3411,7 +3471,6 @@
             <a:pPr algn="l"/>
             <a:r>
               <a:rPr lang="en-US" sz="2800">
-                <a:ln/>
                 <a:solidFill>
                   <a:schemeClr val="tx1"/>
                 </a:solidFill>
@@ -3426,23 +3485,6 @@
               <a:t>Shrestha : Application flow designer</a:t>
             </a:r>
             <a:endParaRPr lang="en-US" sz="2800">
-              <a:ln/>
-              <a:solidFill>
-                <a:schemeClr val="tx1"/>
-              </a:solidFill>
-              <a:effectLst>
-                <a:outerShdw blurRad="38100" dist="19050" dir="2700000" algn="tl" rotWithShape="0">
-                  <a:schemeClr val="dk1">
-                    <a:alpha val="40000"/>
-                  </a:schemeClr>
-                </a:outerShdw>
-              </a:effectLst>
-            </a:endParaRPr>
-          </a:p>
-          <a:p>
-            <a:pPr algn="l"/>
-            <a:endParaRPr lang="en-US" sz="2800">
-              <a:ln/>
               <a:solidFill>
                 <a:schemeClr val="tx1"/>
               </a:solidFill>
@@ -4244,6 +4286,282 @@
           <a:p>
             <a:r>
               <a:rPr lang="en-US"/>
+              <a:t>Features</a:t>
+            </a:r>
+            <a:endParaRPr lang="en-US"/>
+          </a:p>
+        </p:txBody>
+      </p:sp>
+      <p:sp>
+        <p:nvSpPr>
+          <p:cNvPr id="3" name="Content Placeholder 2"/>
+          <p:cNvSpPr>
+            <a:spLocks noGrp="1"/>
+          </p:cNvSpPr>
+          <p:nvPr>
+            <p:ph idx="1"/>
+          </p:nvPr>
+        </p:nvSpPr>
+        <p:spPr/>
+        <p:txBody>
+          <a:bodyPr/>
+          <a:p>
+            <a:r>
+              <a:rPr lang="en-US">
+                <a:sym typeface="+mn-ea"/>
+              </a:rPr>
+              <a:t>Upload our Stories as well as check other’s stories and profile</a:t>
+            </a:r>
+            <a:endParaRPr lang="en-US"/>
+          </a:p>
+          <a:p>
+            <a:r>
+              <a:rPr lang="en-US"/>
+              <a:t>Application is deployed in the web, can be accessed from anywhere in the world</a:t>
+            </a:r>
+            <a:endParaRPr lang="en-US"/>
+          </a:p>
+          <a:p>
+            <a:r>
+              <a:rPr lang="en-US"/>
+              <a:t>Uses google’s cloud service as backend, ensures we have top notch security </a:t>
+            </a:r>
+            <a:endParaRPr lang="en-US"/>
+          </a:p>
+          <a:p>
+            <a:r>
+              <a:rPr lang="en-US"/>
+              <a:t>Persistent data which is not bound to any device, If you lose your device you would still be able to login and access you profile and the contents in your profile</a:t>
+            </a:r>
+            <a:endParaRPr lang="en-US"/>
+          </a:p>
+          <a:p>
+            <a:endParaRPr lang="en-US"/>
+          </a:p>
+        </p:txBody>
+      </p:sp>
+    </p:spTree>
+  </p:cSld>
+  <p:clrMapOvr>
+    <a:masterClrMapping/>
+  </p:clrMapOvr>
+</p:sld>
+</file>
+
+<file path=ppt/slides/slide5.xml><?xml version="1.0" encoding="utf-8"?>
+<p:sld xmlns:a="http://schemas.openxmlformats.org/drawingml/2006/main" xmlns:r="http://schemas.openxmlformats.org/officeDocument/2006/relationships" xmlns:p="http://schemas.openxmlformats.org/presentationml/2006/main">
+  <p:cSld>
+    <p:spTree>
+      <p:nvGrpSpPr>
+        <p:cNvPr id="1" name=""/>
+        <p:cNvGrpSpPr/>
+        <p:nvPr/>
+      </p:nvGrpSpPr>
+      <p:grpSpPr/>
+      <p:sp>
+        <p:nvSpPr>
+          <p:cNvPr id="2" name="Title 1"/>
+          <p:cNvSpPr>
+            <a:spLocks noGrp="1"/>
+          </p:cNvSpPr>
+          <p:nvPr>
+            <p:ph type="title"/>
+          </p:nvPr>
+        </p:nvSpPr>
+        <p:spPr/>
+        <p:txBody>
+          <a:bodyPr/>
+          <a:p>
+            <a:r>
+              <a:rPr lang="en-US"/>
+              <a:t>Structure of the source code</a:t>
+            </a:r>
+            <a:endParaRPr lang="en-US"/>
+          </a:p>
+        </p:txBody>
+      </p:sp>
+      <p:sp>
+        <p:nvSpPr>
+          <p:cNvPr id="3" name="Content Placeholder 2"/>
+          <p:cNvSpPr>
+            <a:spLocks noGrp="1"/>
+          </p:cNvSpPr>
+          <p:nvPr>
+            <p:ph idx="1"/>
+          </p:nvPr>
+        </p:nvSpPr>
+        <p:spPr>
+          <a:xfrm>
+            <a:off x="609600" y="864870"/>
+            <a:ext cx="10972800" cy="5846445"/>
+          </a:xfrm>
+        </p:spPr>
+        <p:txBody>
+          <a:bodyPr/>
+          <a:p>
+            <a:r>
+              <a:rPr lang="en-US" sz="1600"/>
+              <a:t>lib\main.dart - entry point of the code</a:t>
+            </a:r>
+            <a:endParaRPr lang="en-US" sz="1600"/>
+          </a:p>
+          <a:p>
+            <a:pPr marL="0" indent="0">
+              <a:buNone/>
+            </a:pPr>
+            <a:r>
+              <a:rPr lang="en-US" sz="1600" b="1"/>
+              <a:t>Model(Classes to represent a structural data of some sort)</a:t>
+            </a:r>
+            <a:endParaRPr lang="en-US" sz="1600"/>
+          </a:p>
+          <a:p>
+            <a:r>
+              <a:rPr lang="en-US" sz="1600"/>
+              <a:t>lib\Model\ProfileOther.dart - Class to represent a profile</a:t>
+            </a:r>
+            <a:endParaRPr lang="en-US" sz="1600"/>
+          </a:p>
+          <a:p>
+            <a:r>
+              <a:rPr lang="en-US" sz="1600"/>
+              <a:t>lib\Model\Story.dart - Class to represent a story</a:t>
+            </a:r>
+            <a:endParaRPr lang="en-US" sz="1600"/>
+          </a:p>
+          <a:p>
+            <a:pPr marL="0" indent="0">
+              <a:buNone/>
+            </a:pPr>
+            <a:r>
+              <a:rPr lang="en-US" sz="1600" b="1"/>
+              <a:t>UI classes(Responsible for renders on the screen)</a:t>
+            </a:r>
+            <a:endParaRPr lang="en-US" sz="1600"/>
+          </a:p>
+          <a:p>
+            <a:r>
+              <a:rPr lang="en-US" sz="1600"/>
+              <a:t>lib\Pages\Edit_ProfilePage\EditProfilePage.dart - Renders the UI of “EditProfile” Page and has the functions related to it’s working</a:t>
+            </a:r>
+            <a:endParaRPr lang="en-US" sz="1600"/>
+          </a:p>
+          <a:p>
+            <a:r>
+              <a:rPr lang="en-US" sz="1600"/>
+              <a:t>lib\Pages\Edit_ProfilePage\Global_Widgets\.. - Containers small classes that are UI elements</a:t>
+            </a:r>
+            <a:endParaRPr lang="en-US" sz="1600"/>
+          </a:p>
+          <a:p>
+            <a:r>
+              <a:rPr lang="en-US" sz="1600"/>
+              <a:t>lib\Pages\Login_Signup\LoginPage.dart - Renders the UI of “Login” Page and has functions related to it’s working</a:t>
+            </a:r>
+            <a:endParaRPr lang="en-US" sz="1600"/>
+          </a:p>
+          <a:p>
+            <a:r>
+              <a:rPr lang="en-US" sz="1600"/>
+              <a:t>lib\Pages\Login_Signup\Signup.dart - Renders the UI of “Signup” Page and has functions related to it’s working</a:t>
+            </a:r>
+            <a:endParaRPr lang="en-US" sz="1600"/>
+          </a:p>
+          <a:p>
+            <a:r>
+              <a:rPr lang="en-US" sz="1600"/>
+              <a:t>lib\Pages\Search user page\SearchUserPage.dart - Renders the UI of “Search” Page and has functions related to it’s working</a:t>
+            </a:r>
+            <a:endParaRPr lang="en-US" sz="1600"/>
+          </a:p>
+          <a:p>
+            <a:r>
+              <a:rPr lang="en-US" sz="1600"/>
+              <a:t>lib\Pages\Story_Page\StoryPage.dart - Renders the UI of “Story” Page and has functions related to it</a:t>
+            </a:r>
+            <a:endParaRPr lang="en-US" sz="1600"/>
+          </a:p>
+          <a:p>
+            <a:r>
+              <a:rPr lang="en-US" sz="1600"/>
+              <a:t>lib\Pages\Story_Page\AddStoryPage.dart - Renders the UI of “Add Story” Page and has functions related to it</a:t>
+            </a:r>
+            <a:endParaRPr lang="en-US" sz="1600"/>
+          </a:p>
+          <a:p>
+            <a:pPr marL="0" indent="0">
+              <a:buNone/>
+            </a:pPr>
+            <a:r>
+              <a:rPr lang="en-US" sz="1600" b="1"/>
+              <a:t>Provider classes( Create session persistent object which can be accessed in any page easily)</a:t>
+            </a:r>
+            <a:endParaRPr lang="en-US" sz="1600" b="1"/>
+          </a:p>
+          <a:p>
+            <a:r>
+              <a:rPr lang="en-US" sz="1600"/>
+              <a:t>lib\Providers\Provider_Admin.dart - Contains function and variables with </a:t>
+            </a:r>
+            <a:endParaRPr lang="en-US" sz="1600"/>
+          </a:p>
+          <a:p>
+            <a:r>
+              <a:rPr lang="en-US" sz="1600"/>
+              <a:t>lib\Providers\Provider_Firebase.dart - Configured objects from firebase SDK for persistent use</a:t>
+            </a:r>
+            <a:endParaRPr lang="en-US" sz="1600"/>
+          </a:p>
+          <a:p>
+            <a:r>
+              <a:rPr lang="en-US" sz="1600"/>
+              <a:t>lib\Providers\Provider_Other.dart - Represents the Profile we visit</a:t>
+            </a:r>
+            <a:endParaRPr lang="en-US" sz="1600"/>
+          </a:p>
+          <a:p>
+            <a:r>
+              <a:rPr lang="en-US" sz="1600"/>
+              <a:t>lib\Providers\Providers_User.dart - Holds crucial information about the logged in user such as their ID which will used to retreive information from the backend database</a:t>
+            </a:r>
+            <a:endParaRPr lang="en-US" sz="1600"/>
+          </a:p>
+        </p:txBody>
+      </p:sp>
+    </p:spTree>
+  </p:cSld>
+  <p:clrMapOvr>
+    <a:masterClrMapping/>
+  </p:clrMapOvr>
+</p:sld>
+</file>
+
+<file path=ppt/slides/slide6.xml><?xml version="1.0" encoding="utf-8"?>
+<p:sld xmlns:a="http://schemas.openxmlformats.org/drawingml/2006/main" xmlns:r="http://schemas.openxmlformats.org/officeDocument/2006/relationships" xmlns:p="http://schemas.openxmlformats.org/presentationml/2006/main">
+  <p:cSld>
+    <p:spTree>
+      <p:nvGrpSpPr>
+        <p:cNvPr id="1" name=""/>
+        <p:cNvGrpSpPr/>
+        <p:nvPr/>
+      </p:nvGrpSpPr>
+      <p:grpSpPr/>
+      <p:sp>
+        <p:nvSpPr>
+          <p:cNvPr id="2" name="Title 1"/>
+          <p:cNvSpPr>
+            <a:spLocks noGrp="1"/>
+          </p:cNvSpPr>
+          <p:nvPr>
+            <p:ph type="title"/>
+          </p:nvPr>
+        </p:nvSpPr>
+        <p:spPr/>
+        <p:txBody>
+          <a:bodyPr/>
+          <a:p>
+            <a:r>
+              <a:rPr lang="en-US"/>
               <a:t>Demonstration</a:t>
             </a:r>
             <a:endParaRPr lang="en-US"/>
@@ -4284,7 +4602,7 @@
 </p:sld>
 </file>
 
-<file path=ppt/slides/slide5.xml><?xml version="1.0" encoding="utf-8"?>
+<file path=ppt/slides/slide7.xml><?xml version="1.0" encoding="utf-8"?>
 <p:sld xmlns:a="http://schemas.openxmlformats.org/drawingml/2006/main" xmlns:r="http://schemas.openxmlformats.org/officeDocument/2006/relationships" xmlns:p="http://schemas.openxmlformats.org/presentationml/2006/main">
   <p:cSld>
     <p:spTree>
@@ -4426,7 +4744,7 @@
 </p:sld>
 </file>
 
-<file path=ppt/slides/slide6.xml><?xml version="1.0" encoding="utf-8"?>
+<file path=ppt/slides/slide8.xml><?xml version="1.0" encoding="utf-8"?>
 <p:sld xmlns:a="http://schemas.openxmlformats.org/drawingml/2006/main" xmlns:r="http://schemas.openxmlformats.org/officeDocument/2006/relationships" xmlns:p="http://schemas.openxmlformats.org/presentationml/2006/main">
   <p:cSld>
     <p:spTree>
@@ -4504,183 +4822,6 @@
           <a:xfrm>
             <a:off x="6459220" y="189865"/>
             <a:ext cx="5733415" cy="6476365"/>
-          </a:xfrm>
-          <a:prstGeom prst="rect">
-            <a:avLst/>
-          </a:prstGeom>
-        </p:spPr>
-      </p:pic>
-    </p:spTree>
-  </p:cSld>
-  <p:clrMapOvr>
-    <a:masterClrMapping/>
-  </p:clrMapOvr>
-</p:sld>
-</file>
-
-<file path=ppt/slides/slide7.xml><?xml version="1.0" encoding="utf-8"?>
-<p:sld xmlns:a="http://schemas.openxmlformats.org/drawingml/2006/main" xmlns:r="http://schemas.openxmlformats.org/officeDocument/2006/relationships" xmlns:p="http://schemas.openxmlformats.org/presentationml/2006/main">
-  <p:cSld>
-    <p:spTree>
-      <p:nvGrpSpPr>
-        <p:cNvPr id="1" name=""/>
-        <p:cNvGrpSpPr/>
-        <p:nvPr/>
-      </p:nvGrpSpPr>
-      <p:grpSpPr/>
-      <p:sp>
-        <p:nvSpPr>
-          <p:cNvPr id="2" name="Title 1"/>
-          <p:cNvSpPr>
-            <a:spLocks noGrp="1"/>
-          </p:cNvSpPr>
-          <p:nvPr>
-            <p:ph type="title"/>
-          </p:nvPr>
-        </p:nvSpPr>
-        <p:spPr/>
-        <p:txBody>
-          <a:bodyPr/>
-          <a:p>
-            <a:r>
-              <a:rPr lang="en-US"/>
-              <a:t>Code snippets of important function</a:t>
-            </a:r>
-            <a:endParaRPr lang="en-US"/>
-          </a:p>
-        </p:txBody>
-      </p:sp>
-      <p:sp>
-        <p:nvSpPr>
-          <p:cNvPr id="3" name="Content Placeholder 2"/>
-          <p:cNvSpPr>
-            <a:spLocks noGrp="1"/>
-          </p:cNvSpPr>
-          <p:nvPr>
-            <p:ph sz="half" idx="1"/>
-          </p:nvPr>
-        </p:nvSpPr>
-        <p:spPr/>
-        <p:txBody>
-          <a:bodyPr/>
-          <a:p>
-            <a:pPr marL="0" indent="0">
-              <a:buNone/>
-            </a:pPr>
-            <a:r>
-              <a:rPr lang="en-US"/>
-              <a:t>User Login function</a:t>
-            </a:r>
-            <a:endParaRPr lang="en-US"/>
-          </a:p>
-          <a:p>
-            <a:pPr marL="0" indent="0">
-              <a:buNone/>
-            </a:pPr>
-            <a:r>
-              <a:rPr lang="en-US"/>
-              <a:t>Flowchart:</a:t>
-            </a:r>
-            <a:endParaRPr lang="en-US"/>
-          </a:p>
-          <a:p>
-            <a:pPr marL="0" indent="0">
-              <a:buNone/>
-            </a:pPr>
-            <a:endParaRPr lang="en-US"/>
-          </a:p>
-        </p:txBody>
-      </p:sp>
-      <p:pic>
-        <p:nvPicPr>
-          <p:cNvPr id="4" name="Content Placeholder 3" descr="loginPressed flowhcart"/>
-          <p:cNvPicPr>
-            <a:picLocks noChangeAspect="1"/>
-          </p:cNvPicPr>
-          <p:nvPr>
-            <p:ph sz="half" idx="2"/>
-          </p:nvPr>
-        </p:nvPicPr>
-        <p:blipFill>
-          <a:blip r:embed="rId1"/>
-          <a:stretch>
-            <a:fillRect/>
-          </a:stretch>
-        </p:blipFill>
-        <p:spPr>
-          <a:xfrm>
-            <a:off x="6069965" y="647700"/>
-            <a:ext cx="5426710" cy="6210300"/>
-          </a:xfrm>
-          <a:prstGeom prst="rect">
-            <a:avLst/>
-          </a:prstGeom>
-        </p:spPr>
-      </p:pic>
-    </p:spTree>
-  </p:cSld>
-  <p:clrMapOvr>
-    <a:masterClrMapping/>
-  </p:clrMapOvr>
-</p:sld>
-</file>
-
-<file path=ppt/slides/slide8.xml><?xml version="1.0" encoding="utf-8"?>
-<p:sld xmlns:a="http://schemas.openxmlformats.org/drawingml/2006/main" xmlns:r="http://schemas.openxmlformats.org/officeDocument/2006/relationships" xmlns:p="http://schemas.openxmlformats.org/presentationml/2006/main">
-  <p:cSld>
-    <p:spTree>
-      <p:nvGrpSpPr>
-        <p:cNvPr id="1" name=""/>
-        <p:cNvGrpSpPr/>
-        <p:nvPr/>
-      </p:nvGrpSpPr>
-      <p:grpSpPr/>
-      <p:pic>
-        <p:nvPicPr>
-          <p:cNvPr id="5" name="Content Placeholder 4" descr="loginPressed snippet"/>
-          <p:cNvPicPr>
-            <a:picLocks noChangeAspect="1"/>
-          </p:cNvPicPr>
-          <p:nvPr>
-            <p:ph sz="half" idx="1"/>
-          </p:nvPr>
-        </p:nvPicPr>
-        <p:blipFill>
-          <a:blip r:embed="rId1"/>
-          <a:stretch>
-            <a:fillRect/>
-          </a:stretch>
-        </p:blipFill>
-        <p:spPr>
-          <a:xfrm>
-            <a:off x="0" y="74295"/>
-            <a:ext cx="5994400" cy="6783705"/>
-          </a:xfrm>
-          <a:prstGeom prst="rect">
-            <a:avLst/>
-          </a:prstGeom>
-        </p:spPr>
-      </p:pic>
-      <p:pic>
-        <p:nvPicPr>
-          <p:cNvPr id="6" name="Content Placeholder 5" descr="create userData snippet"/>
-          <p:cNvPicPr>
-            <a:picLocks noChangeAspect="1"/>
-          </p:cNvPicPr>
-          <p:nvPr>
-            <p:ph sz="half" idx="2"/>
-          </p:nvPr>
-        </p:nvPicPr>
-        <p:blipFill>
-          <a:blip r:embed="rId2"/>
-          <a:stretch>
-            <a:fillRect/>
-          </a:stretch>
-        </p:blipFill>
-        <p:spPr>
-          <a:xfrm>
-            <a:off x="6097905" y="73660"/>
-            <a:ext cx="6094730" cy="6784340"/>
           </a:xfrm>
           <a:prstGeom prst="rect">
             <a:avLst/>

--- a/Project/Summer Internship Project.pptx
+++ b/Project/Summer Internship Project.pptx
@@ -15,8 +15,9 @@
     <p:sldId id="266" r:id="rId10"/>
     <p:sldId id="265" r:id="rId11"/>
     <p:sldId id="267" r:id="rId12"/>
-    <p:sldId id="268" r:id="rId13"/>
-    <p:sldId id="269" r:id="rId14"/>
+    <p:sldId id="284" r:id="rId13"/>
+    <p:sldId id="285" r:id="rId14"/>
+    <p:sldId id="269" r:id="rId15"/>
   </p:sldIdLst>
   <p:sldSz cx="12192000" cy="6858000"/>
   <p:notesSz cx="6858000" cy="9144000"/>
@@ -3380,36 +3381,6 @@
           <a:p>
             <a:pPr algn="l"/>
             <a:r>
-              <a:rPr lang="en-US">
-                <a:solidFill>
-                  <a:schemeClr val="tx1"/>
-                </a:solidFill>
-                <a:effectLst>
-                  <a:outerShdw blurRad="38100" dist="19050" dir="2700000" algn="tl" rotWithShape="0">
-                    <a:schemeClr val="dk1">
-                      <a:alpha val="40000"/>
-                    </a:schemeClr>
-                  </a:outerShdw>
-                </a:effectLst>
-              </a:rPr>
-              <a:t>Mentor : Sir Dushyanta Datta</a:t>
-            </a:r>
-            <a:endParaRPr lang="en-US">
-              <a:solidFill>
-                <a:schemeClr val="tx1"/>
-              </a:solidFill>
-              <a:effectLst>
-                <a:outerShdw blurRad="38100" dist="19050" dir="2700000" algn="tl" rotWithShape="0">
-                  <a:schemeClr val="dk1">
-                    <a:alpha val="40000"/>
-                  </a:schemeClr>
-                </a:outerShdw>
-              </a:effectLst>
-            </a:endParaRPr>
-          </a:p>
-          <a:p>
-            <a:pPr algn="l"/>
-            <a:r>
               <a:rPr lang="en-US" sz="2800">
                 <a:solidFill>
                   <a:schemeClr val="tx1"/>
@@ -3484,6 +3455,52 @@
               </a:rPr>
               <a:t>Shrestha : Application flow designer</a:t>
             </a:r>
+            <a:endParaRPr lang="en-US" sz="2800">
+              <a:solidFill>
+                <a:schemeClr val="tx1"/>
+              </a:solidFill>
+              <a:effectLst>
+                <a:outerShdw blurRad="38100" dist="19050" dir="2700000" algn="tl" rotWithShape="0">
+                  <a:schemeClr val="dk1">
+                    <a:alpha val="40000"/>
+                  </a:schemeClr>
+                </a:outerShdw>
+              </a:effectLst>
+            </a:endParaRPr>
+          </a:p>
+          <a:p>
+            <a:pPr algn="l"/>
+            <a:r>
+              <a:rPr lang="en-US" sz="2800">
+                <a:solidFill>
+                  <a:schemeClr val="tx1"/>
+                </a:solidFill>
+                <a:effectLst>
+                  <a:outerShdw blurRad="38100" dist="19050" dir="2700000" algn="tl" rotWithShape="0">
+                    <a:schemeClr val="dk1">
+                      <a:alpha val="40000"/>
+                    </a:schemeClr>
+                  </a:outerShdw>
+                </a:effectLst>
+                <a:sym typeface="+mn-ea"/>
+              </a:rPr>
+              <a:t>Mentor : Sir Dushyanta Datta</a:t>
+            </a:r>
+            <a:endParaRPr lang="en-US" sz="2800">
+              <a:solidFill>
+                <a:schemeClr val="tx1"/>
+              </a:solidFill>
+              <a:effectLst>
+                <a:outerShdw blurRad="38100" dist="19050" dir="2700000" algn="tl" rotWithShape="0">
+                  <a:schemeClr val="dk1">
+                    <a:alpha val="40000"/>
+                  </a:schemeClr>
+                </a:outerShdw>
+              </a:effectLst>
+            </a:endParaRPr>
+          </a:p>
+          <a:p>
+            <a:pPr algn="l"/>
             <a:endParaRPr lang="en-US" sz="2800">
               <a:solidFill>
                 <a:schemeClr val="tx1"/>
@@ -3585,7 +3602,7 @@
       <p:grpSpPr/>
       <p:pic>
         <p:nvPicPr>
-          <p:cNvPr id="5" name="Content Placeholder 4" descr="Screenshot (140)"/>
+          <p:cNvPr id="5" name="Content Placeholder 4" descr="Database relation example"/>
           <p:cNvPicPr>
             <a:picLocks noChangeAspect="1"/>
           </p:cNvPicPr>
@@ -3595,14 +3612,15 @@
         </p:nvPicPr>
         <p:blipFill>
           <a:blip r:embed="rId1"/>
+          <a:srcRect b="47509"/>
           <a:stretch>
             <a:fillRect/>
           </a:stretch>
         </p:blipFill>
         <p:spPr>
           <a:xfrm>
-            <a:off x="-635" y="184150"/>
-            <a:ext cx="12135485" cy="6493510"/>
+            <a:off x="635" y="-447040"/>
+            <a:ext cx="12191365" cy="7304405"/>
           </a:xfrm>
           <a:prstGeom prst="rect">
             <a:avLst/>
@@ -3618,6 +3636,69 @@
 </file>
 
 <file path=ppt/slides/slide12.xml><?xml version="1.0" encoding="utf-8"?>
+<p:sld xmlns:a="http://schemas.openxmlformats.org/drawingml/2006/main" xmlns:r="http://schemas.openxmlformats.org/officeDocument/2006/relationships" xmlns:p="http://schemas.openxmlformats.org/presentationml/2006/main">
+  <p:cSld>
+    <p:spTree>
+      <p:nvGrpSpPr>
+        <p:cNvPr id="1" name=""/>
+        <p:cNvGrpSpPr/>
+        <p:nvPr/>
+      </p:nvGrpSpPr>
+      <p:grpSpPr/>
+      <p:sp>
+        <p:nvSpPr>
+          <p:cNvPr id="6" name="Title 5"/>
+          <p:cNvSpPr>
+            <a:spLocks noGrp="1"/>
+          </p:cNvSpPr>
+          <p:nvPr>
+            <p:ph type="title"/>
+          </p:nvPr>
+        </p:nvSpPr>
+        <p:spPr/>
+        <p:txBody>
+          <a:bodyPr/>
+          <a:p>
+            <a:endParaRPr lang="en-US"/>
+          </a:p>
+        </p:txBody>
+      </p:sp>
+      <p:pic>
+        <p:nvPicPr>
+          <p:cNvPr id="5" name="Content Placeholder 4" descr="Database relation example"/>
+          <p:cNvPicPr>
+            <a:picLocks noChangeAspect="1"/>
+          </p:cNvPicPr>
+          <p:nvPr>
+            <p:ph idx="1"/>
+          </p:nvPr>
+        </p:nvPicPr>
+        <p:blipFill>
+          <a:blip r:embed="rId1"/>
+          <a:srcRect l="-104" t="52324" r="104"/>
+          <a:stretch>
+            <a:fillRect/>
+          </a:stretch>
+        </p:blipFill>
+        <p:spPr>
+          <a:xfrm>
+            <a:off x="-210820" y="-99695"/>
+            <a:ext cx="14154150" cy="7242810"/>
+          </a:xfrm>
+          <a:prstGeom prst="rect">
+            <a:avLst/>
+          </a:prstGeom>
+        </p:spPr>
+      </p:pic>
+    </p:spTree>
+  </p:cSld>
+  <p:clrMapOvr>
+    <a:masterClrMapping/>
+  </p:clrMapOvr>
+</p:sld>
+</file>
+
+<file path=ppt/slides/slide13.xml><?xml version="1.0" encoding="utf-8"?>
 <p:sld xmlns:a="http://schemas.openxmlformats.org/drawingml/2006/main" xmlns:r="http://schemas.openxmlformats.org/officeDocument/2006/relationships" xmlns:p="http://schemas.openxmlformats.org/presentationml/2006/main">
   <p:cSld>
     <p:spTree>
@@ -3959,7 +4040,7 @@
             </a:br>
             <a:r>
               <a:rPr lang="en-US" sz="2500"/>
-              <a:t>4. frontend Code snippet of Login</a:t>
+              <a:t>4. Snippet of Flutter’s UI pattern</a:t>
             </a:r>
             <a:br>
               <a:rPr lang="en-US" sz="2500"/>
@@ -4225,7 +4306,14 @@
           <a:p>
             <a:r>
               <a:rPr lang="en-US"/>
-              <a:t>Sosial is a web application which is a minimalistic social media platform</a:t>
+              <a:t>Minimal is the name of our web application</a:t>
+            </a:r>
+            <a:endParaRPr lang="en-US"/>
+          </a:p>
+          <a:p>
+            <a:r>
+              <a:rPr lang="en-US"/>
+              <a:t>Minimalistic social media platform</a:t>
             </a:r>
             <a:endParaRPr lang="en-US"/>
           </a:p>
@@ -4730,7 +4818,7 @@
             </a:pPr>
             <a:r>
               <a:rPr lang="en-US"/>
-              <a:t>None</a:t>
+              <a:t>Firebase storage, Firebase Firestore, Firebase Auth</a:t>
             </a:r>
             <a:endParaRPr lang="en-US"/>
           </a:p>

--- a/Project/Summer Internship Project.pptx
+++ b/Project/Summer Internship Project.pptx
@@ -3393,7 +3393,7 @@
                   </a:outerShdw>
                 </a:effectLst>
               </a:rPr>
-              <a:t>Kuchuk Borom : Lead programmer</a:t>
+              <a:t>Kuchuk Borom : Lead programmer </a:t>
             </a:r>
             <a:endParaRPr lang="en-US" sz="2800">
               <a:solidFill>
